--- a/CSharpProgramming/Presentations/ProgPartII/Dictionary.pptx
+++ b/CSharpProgramming/Presentations/ProgPartII/Dictionary.pptx
@@ -263,7 +263,7 @@
           <a:p>
             <a:fld id="{E15B7D8E-2A20-4C0E-991C-872DBB7459A8}" type="datetimeFigureOut">
               <a:rPr lang="da-DK" smtClean="0"/>
-              <a:t>13-10-2017</a:t>
+              <a:t>25-02-2018</a:t>
             </a:fld>
             <a:endParaRPr lang="da-DK"/>
           </a:p>
@@ -433,7 +433,7 @@
           <a:p>
             <a:fld id="{E15B7D8E-2A20-4C0E-991C-872DBB7459A8}" type="datetimeFigureOut">
               <a:rPr lang="da-DK" smtClean="0"/>
-              <a:t>13-10-2017</a:t>
+              <a:t>25-02-2018</a:t>
             </a:fld>
             <a:endParaRPr lang="da-DK"/>
           </a:p>
@@ -613,7 +613,7 @@
           <a:p>
             <a:fld id="{E15B7D8E-2A20-4C0E-991C-872DBB7459A8}" type="datetimeFigureOut">
               <a:rPr lang="da-DK" smtClean="0"/>
-              <a:t>13-10-2017</a:t>
+              <a:t>25-02-2018</a:t>
             </a:fld>
             <a:endParaRPr lang="da-DK"/>
           </a:p>
@@ -783,7 +783,7 @@
           <a:p>
             <a:fld id="{E15B7D8E-2A20-4C0E-991C-872DBB7459A8}" type="datetimeFigureOut">
               <a:rPr lang="da-DK" smtClean="0"/>
-              <a:t>13-10-2017</a:t>
+              <a:t>25-02-2018</a:t>
             </a:fld>
             <a:endParaRPr lang="da-DK"/>
           </a:p>
@@ -1029,7 +1029,7 @@
           <a:p>
             <a:fld id="{E15B7D8E-2A20-4C0E-991C-872DBB7459A8}" type="datetimeFigureOut">
               <a:rPr lang="da-DK" smtClean="0"/>
-              <a:t>13-10-2017</a:t>
+              <a:t>25-02-2018</a:t>
             </a:fld>
             <a:endParaRPr lang="da-DK"/>
           </a:p>
@@ -1261,7 +1261,7 @@
           <a:p>
             <a:fld id="{E15B7D8E-2A20-4C0E-991C-872DBB7459A8}" type="datetimeFigureOut">
               <a:rPr lang="da-DK" smtClean="0"/>
-              <a:t>13-10-2017</a:t>
+              <a:t>25-02-2018</a:t>
             </a:fld>
             <a:endParaRPr lang="da-DK"/>
           </a:p>
@@ -1628,7 +1628,7 @@
           <a:p>
             <a:fld id="{E15B7D8E-2A20-4C0E-991C-872DBB7459A8}" type="datetimeFigureOut">
               <a:rPr lang="da-DK" smtClean="0"/>
-              <a:t>13-10-2017</a:t>
+              <a:t>25-02-2018</a:t>
             </a:fld>
             <a:endParaRPr lang="da-DK"/>
           </a:p>
@@ -1746,7 +1746,7 @@
           <a:p>
             <a:fld id="{E15B7D8E-2A20-4C0E-991C-872DBB7459A8}" type="datetimeFigureOut">
               <a:rPr lang="da-DK" smtClean="0"/>
-              <a:t>13-10-2017</a:t>
+              <a:t>25-02-2018</a:t>
             </a:fld>
             <a:endParaRPr lang="da-DK"/>
           </a:p>
@@ -1841,7 +1841,7 @@
           <a:p>
             <a:fld id="{E15B7D8E-2A20-4C0E-991C-872DBB7459A8}" type="datetimeFigureOut">
               <a:rPr lang="da-DK" smtClean="0"/>
-              <a:t>13-10-2017</a:t>
+              <a:t>25-02-2018</a:t>
             </a:fld>
             <a:endParaRPr lang="da-DK"/>
           </a:p>
@@ -2118,7 +2118,7 @@
           <a:p>
             <a:fld id="{E15B7D8E-2A20-4C0E-991C-872DBB7459A8}" type="datetimeFigureOut">
               <a:rPr lang="da-DK" smtClean="0"/>
-              <a:t>13-10-2017</a:t>
+              <a:t>25-02-2018</a:t>
             </a:fld>
             <a:endParaRPr lang="da-DK"/>
           </a:p>
@@ -2371,7 +2371,7 @@
           <a:p>
             <a:fld id="{E15B7D8E-2A20-4C0E-991C-872DBB7459A8}" type="datetimeFigureOut">
               <a:rPr lang="da-DK" smtClean="0"/>
-              <a:t>13-10-2017</a:t>
+              <a:t>25-02-2018</a:t>
             </a:fld>
             <a:endParaRPr lang="da-DK"/>
           </a:p>
@@ -2584,7 +2584,7 @@
           <a:p>
             <a:fld id="{E15B7D8E-2A20-4C0E-991C-872DBB7459A8}" type="datetimeFigureOut">
               <a:rPr lang="da-DK" smtClean="0"/>
-              <a:t>13-10-2017</a:t>
+              <a:t>25-02-2018</a:t>
             </a:fld>
             <a:endParaRPr lang="da-DK"/>
           </a:p>
@@ -3813,7 +3813,7 @@
                   <a:srgbClr val="FF0000"/>
                 </a:solidFill>
               </a:rPr>
-              <a:t>Nøgler</a:t>
+              <a:t>Keys</a:t>
             </a:r>
             <a:endParaRPr lang="da-DK" sz="4000" b="1"/>
           </a:p>
@@ -3868,7 +3868,7 @@
                   </a:schemeClr>
                 </a:solidFill>
               </a:rPr>
-              <a:t>Værdier</a:t>
+              <a:t>Values</a:t>
             </a:r>
             <a:endParaRPr lang="da-DK" sz="4000">
               <a:solidFill>
@@ -4225,15 +4225,7 @@
                   <a:srgbClr val="FFFF00"/>
                 </a:solidFill>
               </a:rPr>
-              <a:t>2207</a:t>
-            </a:r>
-            <a:r>
-              <a:rPr lang="da-DK" smtClean="0">
-                <a:solidFill>
-                  <a:srgbClr val="FFFF00"/>
-                </a:solidFill>
-              </a:rPr>
-              <a:t>91-0811</a:t>
+              <a:t>220791-0811</a:t>
             </a:r>
             <a:endParaRPr lang="da-DK">
               <a:solidFill>
@@ -4684,7 +4676,7 @@
                   <a:srgbClr val="FF0000"/>
                 </a:solidFill>
               </a:rPr>
-              <a:t>Nøgler</a:t>
+              <a:t>Keys</a:t>
             </a:r>
             <a:endParaRPr lang="da-DK" sz="4000" b="1"/>
           </a:p>
@@ -4739,7 +4731,7 @@
                   </a:schemeClr>
                 </a:solidFill>
               </a:rPr>
-              <a:t>Værdier</a:t>
+              <a:t>Values</a:t>
             </a:r>
             <a:endParaRPr lang="da-DK" sz="4000">
               <a:solidFill>
@@ -5915,7 +5907,7 @@
                   <a:srgbClr val="FF0000"/>
                 </a:solidFill>
               </a:rPr>
-              <a:t>Nøgler</a:t>
+              <a:t>Keys</a:t>
             </a:r>
             <a:endParaRPr lang="da-DK" sz="4000" b="1"/>
           </a:p>
@@ -5970,7 +5962,7 @@
                   </a:schemeClr>
                 </a:solidFill>
               </a:rPr>
-              <a:t>Værdier</a:t>
+              <a:t>Values</a:t>
             </a:r>
             <a:endParaRPr lang="da-DK" sz="4000">
               <a:solidFill>
@@ -7052,7 +7044,7 @@
                   <a:srgbClr val="FF0000"/>
                 </a:solidFill>
               </a:rPr>
-              <a:t>Nøgler</a:t>
+              <a:t>Keys</a:t>
             </a:r>
             <a:endParaRPr lang="da-DK" sz="4000" b="1"/>
           </a:p>
@@ -7107,7 +7099,7 @@
                   </a:schemeClr>
                 </a:solidFill>
               </a:rPr>
-              <a:t>Værdier</a:t>
+              <a:t>Values</a:t>
             </a:r>
             <a:endParaRPr lang="da-DK" sz="4000">
               <a:solidFill>
@@ -8141,7 +8133,7 @@
                   <a:srgbClr val="FF0000"/>
                 </a:solidFill>
               </a:rPr>
-              <a:t>Nøgler</a:t>
+              <a:t>Keys</a:t>
             </a:r>
             <a:endParaRPr lang="da-DK" sz="4000" b="1"/>
           </a:p>
@@ -8196,7 +8188,7 @@
                   </a:schemeClr>
                 </a:solidFill>
               </a:rPr>
-              <a:t>Værdier</a:t>
+              <a:t>Values</a:t>
             </a:r>
             <a:endParaRPr lang="da-DK" sz="4000">
               <a:solidFill>
@@ -9375,7 +9367,7 @@
                   <a:srgbClr val="FF0000"/>
                 </a:solidFill>
               </a:rPr>
-              <a:t>Nøgler</a:t>
+              <a:t>Keys</a:t>
             </a:r>
             <a:endParaRPr lang="da-DK" sz="4000" b="1"/>
           </a:p>
@@ -9430,7 +9422,7 @@
                   </a:schemeClr>
                 </a:solidFill>
               </a:rPr>
-              <a:t>Værdier</a:t>
+              <a:t>Values</a:t>
             </a:r>
             <a:endParaRPr lang="da-DK" sz="4000">
               <a:solidFill>
@@ -10398,7 +10390,7 @@
                   <a:srgbClr val="FF0000"/>
                 </a:solidFill>
               </a:rPr>
-              <a:t>Nøgler</a:t>
+              <a:t>Keys</a:t>
             </a:r>
             <a:endParaRPr lang="da-DK" sz="4000" b="1"/>
           </a:p>
@@ -10453,7 +10445,7 @@
                   </a:schemeClr>
                 </a:solidFill>
               </a:rPr>
-              <a:t>Værdier</a:t>
+              <a:t>Values</a:t>
             </a:r>
             <a:endParaRPr lang="da-DK" sz="4000">
               <a:solidFill>
@@ -11400,7 +11392,7 @@
                   <a:srgbClr val="FF0000"/>
                 </a:solidFill>
               </a:rPr>
-              <a:t>Nøgler</a:t>
+              <a:t>Keys</a:t>
             </a:r>
             <a:endParaRPr lang="da-DK" sz="4000" b="1"/>
           </a:p>
@@ -11455,7 +11447,7 @@
                   </a:schemeClr>
                 </a:solidFill>
               </a:rPr>
-              <a:t>Værdier</a:t>
+              <a:t>Values</a:t>
             </a:r>
             <a:endParaRPr lang="da-DK" sz="4000">
               <a:solidFill>
@@ -12427,7 +12419,7 @@
                   <a:srgbClr val="FF0000"/>
                 </a:solidFill>
               </a:rPr>
-              <a:t>Nøgler</a:t>
+              <a:t>Keys</a:t>
             </a:r>
             <a:endParaRPr lang="da-DK" sz="4000" b="1"/>
           </a:p>
@@ -12482,7 +12474,7 @@
                   </a:schemeClr>
                 </a:solidFill>
               </a:rPr>
-              <a:t>Værdier</a:t>
+              <a:t>Values</a:t>
             </a:r>
             <a:endParaRPr lang="da-DK" sz="4000">
               <a:solidFill>
@@ -12962,7 +12954,7 @@
                   <a:srgbClr val="FF0000"/>
                 </a:solidFill>
               </a:rPr>
-              <a:t>Nøgler</a:t>
+              <a:t>Keys</a:t>
             </a:r>
             <a:endParaRPr lang="da-DK" sz="4000" b="1"/>
           </a:p>
@@ -13654,7 +13646,7 @@
                   </a:schemeClr>
                 </a:solidFill>
               </a:rPr>
-              <a:t>Værdier</a:t>
+              <a:t>Values</a:t>
             </a:r>
             <a:endParaRPr lang="da-DK" sz="4000">
               <a:solidFill>
@@ -14116,7 +14108,7 @@
                   </a:schemeClr>
                 </a:solidFill>
               </a:rPr>
-              <a:t>Værdier</a:t>
+              <a:t>Values</a:t>
             </a:r>
             <a:endParaRPr lang="da-DK" sz="4000">
               <a:solidFill>
@@ -14706,15 +14698,7 @@
                   <a:srgbClr val="FFFF00"/>
                 </a:solidFill>
               </a:rPr>
-              <a:t>1401</a:t>
-            </a:r>
-            <a:r>
-              <a:rPr lang="da-DK" smtClean="0">
-                <a:solidFill>
-                  <a:srgbClr val="FFFF00"/>
-                </a:solidFill>
-              </a:rPr>
-              <a:t>94-2284</a:t>
+              <a:t>140194-2284</a:t>
             </a:r>
             <a:endParaRPr lang="da-DK">
               <a:solidFill>
@@ -14951,10 +14935,28 @@
           <a:lstStyle/>
           <a:p>
             <a:r>
+              <a:rPr lang="da-DK" b="1">
+                <a:solidFill>
+                  <a:srgbClr val="0070C0"/>
+                </a:solidFill>
+                <a:latin typeface="Consolas" panose="020B0609020204030204" pitchFamily="49" charset="0"/>
+              </a:rPr>
+              <a:t>publi</a:t>
+            </a:r>
+            <a:r>
+              <a:rPr lang="da-DK" b="1">
+                <a:solidFill>
+                  <a:srgbClr val="0070C0"/>
+                </a:solidFill>
+                <a:latin typeface="Consolas" panose="020B0609020204030204" pitchFamily="49" charset="0"/>
+              </a:rPr>
+              <a:t>c</a:t>
+            </a:r>
+            <a:r>
               <a:rPr lang="da-DK" b="1" smtClean="0">
                 <a:latin typeface="Consolas" panose="020B0609020204030204" pitchFamily="49" charset="0"/>
               </a:rPr>
-              <a:t>public </a:t>
+              <a:t> </a:t>
             </a:r>
             <a:r>
               <a:rPr lang="da-DK" b="1">
@@ -16458,8 +16460,12 @@
               <a:rPr lang="da-DK" sz="9600" smtClean="0"/>
             </a:br>
             <a:r>
+              <a:rPr lang="da-DK" sz="4800" b="1"/>
+              <a:t>a</a:t>
+            </a:r>
+            <a:r>
               <a:rPr lang="da-DK" sz="4800" b="1" smtClean="0"/>
-              <a:t>en </a:t>
+              <a:t> </a:t>
             </a:r>
             <a:r>
               <a:rPr lang="da-DK" sz="4800" b="1" i="1" smtClean="0"/>
@@ -16467,7 +16473,7 @@
             </a:r>
             <a:r>
               <a:rPr lang="da-DK" sz="4800" b="1" smtClean="0"/>
-              <a:t> mellem</a:t>
+              <a:t> between</a:t>
             </a:r>
             <a:br>
               <a:rPr lang="da-DK" sz="4800" b="1" smtClean="0"/>
@@ -16478,11 +16484,19 @@
                   <a:srgbClr val="FF0000"/>
                 </a:solidFill>
               </a:rPr>
-              <a:t>nøgler</a:t>
+              <a:t>keys</a:t>
             </a:r>
             <a:r>
               <a:rPr lang="da-DK" sz="4800" b="1" smtClean="0"/>
-              <a:t> af typen </a:t>
+              <a:t> </a:t>
+            </a:r>
+            <a:r>
+              <a:rPr lang="da-DK" sz="4800" b="1"/>
+              <a:t>o</a:t>
+            </a:r>
+            <a:r>
+              <a:rPr lang="da-DK" sz="4800" b="1" smtClean="0"/>
+              <a:t>f type </a:t>
             </a:r>
             <a:r>
               <a:rPr lang="da-DK" sz="4800" b="1" smtClean="0">
@@ -16494,7 +16508,7 @@
             </a:r>
             <a:r>
               <a:rPr lang="da-DK" sz="4800" b="1" smtClean="0"/>
-              <a:t>, og</a:t>
+              <a:t>, and</a:t>
             </a:r>
             <a:br>
               <a:rPr lang="da-DK" sz="4800" b="1" smtClean="0"/>
@@ -16507,11 +16521,11 @@
                   </a:schemeClr>
                 </a:solidFill>
               </a:rPr>
-              <a:t>værdier</a:t>
+              <a:t>values</a:t>
             </a:r>
             <a:r>
               <a:rPr lang="da-DK" sz="4800" b="1" smtClean="0"/>
-              <a:t> af typen </a:t>
+              <a:t> of type </a:t>
             </a:r>
             <a:r>
               <a:rPr lang="da-DK" sz="4800" b="1" smtClean="0">
@@ -16640,8 +16654,12 @@
               <a:rPr lang="da-DK" sz="9600" smtClean="0"/>
             </a:br>
             <a:r>
+              <a:rPr lang="da-DK" sz="4800" b="1"/>
+              <a:t>a</a:t>
+            </a:r>
+            <a:r>
               <a:rPr lang="da-DK" sz="4800" b="1" smtClean="0"/>
-              <a:t>en </a:t>
+              <a:t> </a:t>
             </a:r>
             <a:r>
               <a:rPr lang="da-DK" sz="4800" b="1" i="1" smtClean="0"/>
@@ -16649,7 +16667,7 @@
             </a:r>
             <a:r>
               <a:rPr lang="da-DK" sz="4800" b="1" smtClean="0"/>
-              <a:t> mellem</a:t>
+              <a:t> between</a:t>
             </a:r>
             <a:br>
               <a:rPr lang="da-DK" sz="4800" b="1" smtClean="0"/>
@@ -16660,11 +16678,19 @@
                   <a:srgbClr val="FF0000"/>
                 </a:solidFill>
               </a:rPr>
-              <a:t>nøgler</a:t>
+              <a:t>keys</a:t>
             </a:r>
             <a:r>
               <a:rPr lang="da-DK" sz="4800" b="1" smtClean="0"/>
-              <a:t> af typen </a:t>
+              <a:t> </a:t>
+            </a:r>
+            <a:r>
+              <a:rPr lang="da-DK" sz="4800" b="1"/>
+              <a:t>o</a:t>
+            </a:r>
+            <a:r>
+              <a:rPr lang="da-DK" sz="4800" b="1" smtClean="0"/>
+              <a:t>f type </a:t>
             </a:r>
             <a:r>
               <a:rPr lang="da-DK" sz="4800" b="1" smtClean="0">
@@ -16676,7 +16702,7 @@
             </a:r>
             <a:r>
               <a:rPr lang="da-DK" sz="4800" b="1" smtClean="0"/>
-              <a:t>, og</a:t>
+              <a:t>, and</a:t>
             </a:r>
             <a:br>
               <a:rPr lang="da-DK" sz="4800" b="1" smtClean="0"/>
@@ -16689,11 +16715,19 @@
                   </a:schemeClr>
                 </a:solidFill>
               </a:rPr>
-              <a:t>værdier</a:t>
+              <a:t>values</a:t>
             </a:r>
             <a:r>
               <a:rPr lang="da-DK" sz="4800" b="1" smtClean="0"/>
-              <a:t> af typen </a:t>
+              <a:t> </a:t>
+            </a:r>
+            <a:r>
+              <a:rPr lang="da-DK" sz="4800" b="1"/>
+              <a:t>o</a:t>
+            </a:r>
+            <a:r>
+              <a:rPr lang="da-DK" sz="4800" b="1" smtClean="0"/>
+              <a:t>f type </a:t>
             </a:r>
             <a:r>
               <a:rPr lang="da-DK" sz="4800" b="1" smtClean="0">
@@ -16820,60 +16854,68 @@
               <a:rPr lang="da-DK" sz="9600" smtClean="0"/>
             </a:br>
             <a:r>
+              <a:rPr lang="da-DK" sz="4800" b="1"/>
+              <a:t>a </a:t>
+            </a:r>
+            <a:r>
+              <a:rPr lang="da-DK" sz="4800" b="1" i="1"/>
+              <a:t>dictionary</a:t>
+            </a:r>
+            <a:r>
+              <a:rPr lang="da-DK" sz="4800" b="1"/>
+              <a:t> between</a:t>
+            </a:r>
+            <a:br>
+              <a:rPr lang="da-DK" sz="4800" b="1"/>
+            </a:br>
+            <a:r>
+              <a:rPr lang="da-DK" sz="4800" b="1">
+                <a:solidFill>
+                  <a:srgbClr val="FF0000"/>
+                </a:solidFill>
+              </a:rPr>
+              <a:t>keys</a:t>
+            </a:r>
+            <a:r>
+              <a:rPr lang="da-DK" sz="4800" b="1"/>
+              <a:t> of type </a:t>
+            </a:r>
+            <a:r>
+              <a:rPr lang="da-DK" sz="4800" b="1" smtClean="0">
+                <a:solidFill>
+                  <a:srgbClr val="0070C0"/>
+                </a:solidFill>
+              </a:rPr>
+              <a:t>string</a:t>
+            </a:r>
+            <a:r>
               <a:rPr lang="da-DK" sz="4800" b="1" smtClean="0"/>
-              <a:t>en </a:t>
-            </a:r>
-            <a:r>
-              <a:rPr lang="da-DK" sz="4800" b="1" i="1" smtClean="0"/>
-              <a:t>dictionary</a:t>
-            </a:r>
-            <a:r>
-              <a:rPr lang="da-DK" sz="4800" b="1" smtClean="0"/>
-              <a:t> mellem</a:t>
+              <a:t>, </a:t>
+            </a:r>
+            <a:r>
+              <a:rPr lang="da-DK" sz="4800" b="1"/>
+              <a:t>and</a:t>
             </a:r>
             <a:br>
-              <a:rPr lang="da-DK" sz="4800" b="1" smtClean="0"/>
+              <a:rPr lang="da-DK" sz="4800" b="1"/>
             </a:br>
             <a:r>
-              <a:rPr lang="da-DK" sz="4800" b="1" smtClean="0">
-                <a:solidFill>
-                  <a:srgbClr val="FF0000"/>
-                </a:solidFill>
-              </a:rPr>
-              <a:t>nøgler</a:t>
-            </a:r>
-            <a:r>
-              <a:rPr lang="da-DK" sz="4800" b="1" smtClean="0"/>
-              <a:t> af typen </a:t>
-            </a:r>
-            <a:r>
-              <a:rPr lang="da-DK" sz="4800" b="1" smtClean="0">
-                <a:solidFill>
-                  <a:srgbClr val="0070C0"/>
-                </a:solidFill>
-              </a:rPr>
-              <a:t>string</a:t>
-            </a:r>
-            <a:r>
-              <a:rPr lang="da-DK" sz="4800" b="1" smtClean="0"/>
-              <a:t>, og</a:t>
-            </a:r>
-            <a:br>
-              <a:rPr lang="da-DK" sz="4800" b="1" smtClean="0"/>
-            </a:br>
-            <a:r>
-              <a:rPr lang="da-DK" sz="4800" b="1" smtClean="0">
+              <a:rPr lang="da-DK" sz="4800" b="1">
                 <a:solidFill>
                   <a:schemeClr val="accent6">
                     <a:lumMod val="75000"/>
                   </a:schemeClr>
                 </a:solidFill>
               </a:rPr>
-              <a:t>værdier</a:t>
+              <a:t>values</a:t>
+            </a:r>
+            <a:r>
+              <a:rPr lang="da-DK" sz="4800" b="1"/>
+              <a:t> of </a:t>
             </a:r>
             <a:r>
               <a:rPr lang="da-DK" sz="4800" b="1" smtClean="0"/>
-              <a:t> af typen </a:t>
+              <a:t>type (references to) </a:t>
             </a:r>
             <a:r>
               <a:rPr lang="da-DK" sz="4800" b="1" smtClean="0">
